--- a/projects/_02_Process Mining/Process mining_Microsoft Sample.pptx
+++ b/projects/_02_Process Mining/Process mining_Microsoft Sample.pptx
@@ -5,8 +5,9 @@
     <p:sldMasterId id="2147483648" r:id="rId1"/>
   </p:sldMasterIdLst>
   <p:sldIdLst>
-    <p:sldId id="258" r:id="rId2"/>
-    <p:sldId id="259" r:id="rId3"/>
+    <p:sldId id="260" r:id="rId2"/>
+    <p:sldId id="258" r:id="rId3"/>
+    <p:sldId id="259" r:id="rId4"/>
   </p:sldIdLst>
   <p:sldSz cx="12192000" cy="6858000"/>
   <p:notesSz cx="6858000" cy="9144000"/>
@@ -105,6 +106,11 @@
       </a:defRPr>
     </a:lvl9pPr>
   </p:defaultTextStyle>
+  <p:extLst>
+    <p:ext uri="{EFAFB233-063F-42B5-8137-9DF3F51BA10A}">
+      <p15:sldGuideLst xmlns:p15="http://schemas.microsoft.com/office/powerpoint/2012/main"/>
+    </p:ext>
+  </p:extLst>
 </p:presentation>
 </file>
 
@@ -4463,6 +4469,436 @@
         </p:nvSpPr>
         <p:spPr>
           <a:xfrm>
+            <a:off x="841247" y="374904"/>
+            <a:ext cx="8989541" cy="246888"/>
+          </a:xfrm>
+          <a:prstGeom prst="rect">
+            <a:avLst/>
+          </a:prstGeom>
+          <a:solidFill>
+            <a:schemeClr val="tx1"/>
+          </a:solidFill>
+        </p:spPr>
+        <p:style>
+          <a:lnRef idx="2">
+            <a:schemeClr val="accent1">
+              <a:shade val="15000"/>
+            </a:schemeClr>
+          </a:lnRef>
+          <a:fillRef idx="1">
+            <a:schemeClr val="accent1"/>
+          </a:fillRef>
+          <a:effectRef idx="0">
+            <a:schemeClr val="accent1"/>
+          </a:effectRef>
+          <a:fontRef idx="minor">
+            <a:schemeClr val="lt1"/>
+          </a:fontRef>
+        </p:style>
+        <p:txBody>
+          <a:bodyPr rtlCol="0" anchor="ctr"/>
+          <a:lstStyle/>
+          <a:p>
+            <a:pPr algn="ctr"/>
+            <a:r>
+              <a:rPr lang="en-AU" sz="1400" dirty="0"/>
+              <a:t>Re-issue customer invoices(Daily volume =  | </a:t>
+            </a:r>
+            <a:r>
+              <a:rPr lang="en-AU" sz="1400" dirty="0" err="1"/>
+              <a:t>Tgt</a:t>
+            </a:r>
+            <a:r>
+              <a:rPr lang="en-AU" sz="1400" dirty="0"/>
+              <a:t> = )</a:t>
+            </a:r>
+          </a:p>
+        </p:txBody>
+      </p:sp>
+      <p:sp>
+        <p:nvSpPr>
+          <p:cNvPr id="10" name="Rectangle 9">
+            <a:extLst>
+              <a:ext uri="{FF2B5EF4-FFF2-40B4-BE49-F238E27FC236}">
+                <a16:creationId xmlns:a16="http://schemas.microsoft.com/office/drawing/2014/main" id="{F00E8A64-4A7A-B779-37CE-023B16F616D0}"/>
+              </a:ext>
+            </a:extLst>
+          </p:cNvPr>
+          <p:cNvSpPr/>
+          <p:nvPr/>
+        </p:nvSpPr>
+        <p:spPr>
+          <a:xfrm>
+            <a:off x="851689" y="753075"/>
+            <a:ext cx="2950618" cy="185491"/>
+          </a:xfrm>
+          <a:prstGeom prst="rect">
+            <a:avLst/>
+          </a:prstGeom>
+          <a:solidFill>
+            <a:schemeClr val="tx1"/>
+          </a:solidFill>
+        </p:spPr>
+        <p:style>
+          <a:lnRef idx="2">
+            <a:schemeClr val="accent1">
+              <a:shade val="15000"/>
+            </a:schemeClr>
+          </a:lnRef>
+          <a:fillRef idx="1">
+            <a:schemeClr val="accent1"/>
+          </a:fillRef>
+          <a:effectRef idx="0">
+            <a:schemeClr val="accent1"/>
+          </a:effectRef>
+          <a:fontRef idx="minor">
+            <a:schemeClr val="lt1"/>
+          </a:fontRef>
+        </p:style>
+        <p:txBody>
+          <a:bodyPr rtlCol="0" anchor="ctr"/>
+          <a:lstStyle/>
+          <a:p>
+            <a:pPr algn="ctr"/>
+            <a:r>
+              <a:rPr lang="en-AU" sz="1400" dirty="0"/>
+              <a:t>Invoice Processing</a:t>
+            </a:r>
+          </a:p>
+        </p:txBody>
+      </p:sp>
+      <p:sp>
+        <p:nvSpPr>
+          <p:cNvPr id="11" name="Rectangle 10">
+            <a:extLst>
+              <a:ext uri="{FF2B5EF4-FFF2-40B4-BE49-F238E27FC236}">
+                <a16:creationId xmlns:a16="http://schemas.microsoft.com/office/drawing/2014/main" id="{25748EF2-D3AE-5B9B-C293-C79A79D8E7BF}"/>
+              </a:ext>
+            </a:extLst>
+          </p:cNvPr>
+          <p:cNvSpPr/>
+          <p:nvPr/>
+        </p:nvSpPr>
+        <p:spPr>
+          <a:xfrm>
+            <a:off x="3865930" y="753075"/>
+            <a:ext cx="2950618" cy="185491"/>
+          </a:xfrm>
+          <a:prstGeom prst="rect">
+            <a:avLst/>
+          </a:prstGeom>
+          <a:solidFill>
+            <a:schemeClr val="tx1"/>
+          </a:solidFill>
+        </p:spPr>
+        <p:style>
+          <a:lnRef idx="2">
+            <a:schemeClr val="accent1">
+              <a:shade val="15000"/>
+            </a:schemeClr>
+          </a:lnRef>
+          <a:fillRef idx="1">
+            <a:schemeClr val="accent1"/>
+          </a:fillRef>
+          <a:effectRef idx="0">
+            <a:schemeClr val="accent1"/>
+          </a:effectRef>
+          <a:fontRef idx="minor">
+            <a:schemeClr val="lt1"/>
+          </a:fontRef>
+        </p:style>
+        <p:txBody>
+          <a:bodyPr rtlCol="0" anchor="ctr"/>
+          <a:lstStyle/>
+          <a:p>
+            <a:pPr algn="ctr"/>
+            <a:r>
+              <a:rPr lang="en-AU" sz="1400" dirty="0"/>
+              <a:t>Invoice Approval</a:t>
+            </a:r>
+          </a:p>
+        </p:txBody>
+      </p:sp>
+      <p:sp>
+        <p:nvSpPr>
+          <p:cNvPr id="47" name="TextBox 46">
+            <a:extLst>
+              <a:ext uri="{FF2B5EF4-FFF2-40B4-BE49-F238E27FC236}">
+                <a16:creationId xmlns:a16="http://schemas.microsoft.com/office/drawing/2014/main" id="{9BFE3DD6-F6C2-698D-8979-E9846CDCD522}"/>
+              </a:ext>
+            </a:extLst>
+          </p:cNvPr>
+          <p:cNvSpPr txBox="1"/>
+          <p:nvPr/>
+        </p:nvSpPr>
+        <p:spPr>
+          <a:xfrm>
+            <a:off x="73152" y="374904"/>
+            <a:ext cx="640080" cy="246888"/>
+          </a:xfrm>
+          <a:prstGeom prst="rect">
+            <a:avLst/>
+          </a:prstGeom>
+          <a:noFill/>
+        </p:spPr>
+        <p:txBody>
+          <a:bodyPr wrap="square" lIns="0" tIns="0" rIns="0" bIns="0" rtlCol="0">
+            <a:noAutofit/>
+          </a:bodyPr>
+          <a:lstStyle/>
+          <a:p>
+            <a:r>
+              <a:rPr lang="en-AU" dirty="0"/>
+              <a:t>L</a:t>
+            </a:r>
+            <a:r>
+              <a:rPr lang="en-AU" sz="1200" dirty="0"/>
+              <a:t>x</a:t>
+            </a:r>
+            <a:endParaRPr lang="en-AU" dirty="0"/>
+          </a:p>
+        </p:txBody>
+      </p:sp>
+      <p:sp>
+        <p:nvSpPr>
+          <p:cNvPr id="49" name="TextBox 48">
+            <a:extLst>
+              <a:ext uri="{FF2B5EF4-FFF2-40B4-BE49-F238E27FC236}">
+                <a16:creationId xmlns:a16="http://schemas.microsoft.com/office/drawing/2014/main" id="{B4EA0A2B-E66A-8C1E-01AD-4FFD3DFB7AAB}"/>
+              </a:ext>
+            </a:extLst>
+          </p:cNvPr>
+          <p:cNvSpPr txBox="1"/>
+          <p:nvPr/>
+        </p:nvSpPr>
+        <p:spPr>
+          <a:xfrm>
+            <a:off x="73152" y="722376"/>
+            <a:ext cx="640080" cy="246888"/>
+          </a:xfrm>
+          <a:prstGeom prst="rect">
+            <a:avLst/>
+          </a:prstGeom>
+          <a:noFill/>
+        </p:spPr>
+        <p:txBody>
+          <a:bodyPr wrap="square" lIns="0" tIns="0" rIns="0" bIns="0" rtlCol="0">
+            <a:noAutofit/>
+          </a:bodyPr>
+          <a:lstStyle/>
+          <a:p>
+            <a:r>
+              <a:rPr lang="en-AU" dirty="0"/>
+              <a:t>L</a:t>
+            </a:r>
+            <a:r>
+              <a:rPr lang="en-AU" sz="1200" i="1" dirty="0"/>
+              <a:t>x+1</a:t>
+            </a:r>
+            <a:endParaRPr lang="en-AU" i="1" dirty="0"/>
+          </a:p>
+        </p:txBody>
+      </p:sp>
+      <p:sp>
+        <p:nvSpPr>
+          <p:cNvPr id="32" name="TextBox 31">
+            <a:extLst>
+              <a:ext uri="{FF2B5EF4-FFF2-40B4-BE49-F238E27FC236}">
+                <a16:creationId xmlns:a16="http://schemas.microsoft.com/office/drawing/2014/main" id="{4232072E-D407-6053-2238-53CDF5472B03}"/>
+              </a:ext>
+            </a:extLst>
+          </p:cNvPr>
+          <p:cNvSpPr txBox="1"/>
+          <p:nvPr/>
+        </p:nvSpPr>
+        <p:spPr>
+          <a:xfrm>
+            <a:off x="137160" y="0"/>
+            <a:ext cx="6080760" cy="369332"/>
+          </a:xfrm>
+          <a:prstGeom prst="rect">
+            <a:avLst/>
+          </a:prstGeom>
+          <a:noFill/>
+        </p:spPr>
+        <p:txBody>
+          <a:bodyPr wrap="square" rtlCol="0">
+            <a:spAutoFit/>
+          </a:bodyPr>
+          <a:lstStyle/>
+          <a:p>
+            <a:r>
+              <a:rPr lang="en-AU" b="1" dirty="0">
+                <a:solidFill>
+                  <a:srgbClr val="C00000"/>
+                </a:solidFill>
+              </a:rPr>
+              <a:t>Microsoft Sample_ Re-issue customer invoices</a:t>
+            </a:r>
+          </a:p>
+        </p:txBody>
+      </p:sp>
+      <p:pic>
+        <p:nvPicPr>
+          <p:cNvPr id="34" name="Picture 33">
+            <a:extLst>
+              <a:ext uri="{FF2B5EF4-FFF2-40B4-BE49-F238E27FC236}">
+                <a16:creationId xmlns:a16="http://schemas.microsoft.com/office/drawing/2014/main" id="{966EBC2D-6521-B56E-CD37-5DF341EC3ADC}"/>
+              </a:ext>
+            </a:extLst>
+          </p:cNvPr>
+          <p:cNvPicPr>
+            <a:picLocks noChangeAspect="1"/>
+          </p:cNvPicPr>
+          <p:nvPr/>
+        </p:nvPicPr>
+        <p:blipFill>
+          <a:blip r:embed="rId2"/>
+          <a:stretch>
+            <a:fillRect/>
+          </a:stretch>
+        </p:blipFill>
+        <p:spPr>
+          <a:xfrm>
+            <a:off x="10201656" y="109765"/>
+            <a:ext cx="840075" cy="564698"/>
+          </a:xfrm>
+          <a:prstGeom prst="rect">
+            <a:avLst/>
+          </a:prstGeom>
+        </p:spPr>
+      </p:pic>
+      <p:sp>
+        <p:nvSpPr>
+          <p:cNvPr id="38" name="TextBox 37">
+            <a:extLst>
+              <a:ext uri="{FF2B5EF4-FFF2-40B4-BE49-F238E27FC236}">
+                <a16:creationId xmlns:a16="http://schemas.microsoft.com/office/drawing/2014/main" id="{038E3B3E-4D14-E000-66CB-EDC10BD918FA}"/>
+              </a:ext>
+            </a:extLst>
+          </p:cNvPr>
+          <p:cNvSpPr txBox="1"/>
+          <p:nvPr/>
+        </p:nvSpPr>
+        <p:spPr>
+          <a:xfrm>
+            <a:off x="11039856" y="200055"/>
+            <a:ext cx="1252728" cy="338554"/>
+          </a:xfrm>
+          <a:prstGeom prst="rect">
+            <a:avLst/>
+          </a:prstGeom>
+          <a:noFill/>
+        </p:spPr>
+        <p:txBody>
+          <a:bodyPr wrap="square" rtlCol="0">
+            <a:spAutoFit/>
+          </a:bodyPr>
+          <a:lstStyle/>
+          <a:p>
+            <a:r>
+              <a:rPr lang="en-AU" sz="1600" b="1" i="1" dirty="0"/>
+              <a:t>Role?</a:t>
+            </a:r>
+          </a:p>
+        </p:txBody>
+      </p:sp>
+      <p:sp>
+        <p:nvSpPr>
+          <p:cNvPr id="2" name="Rectangle 1">
+            <a:extLst>
+              <a:ext uri="{FF2B5EF4-FFF2-40B4-BE49-F238E27FC236}">
+                <a16:creationId xmlns:a16="http://schemas.microsoft.com/office/drawing/2014/main" id="{808740A8-2DBF-242F-EE58-1E923FD58304}"/>
+              </a:ext>
+            </a:extLst>
+          </p:cNvPr>
+          <p:cNvSpPr/>
+          <p:nvPr/>
+        </p:nvSpPr>
+        <p:spPr>
+          <a:xfrm>
+            <a:off x="6880171" y="757696"/>
+            <a:ext cx="2950618" cy="185491"/>
+          </a:xfrm>
+          <a:prstGeom prst="rect">
+            <a:avLst/>
+          </a:prstGeom>
+          <a:solidFill>
+            <a:schemeClr val="tx1"/>
+          </a:solidFill>
+        </p:spPr>
+        <p:style>
+          <a:lnRef idx="2">
+            <a:schemeClr val="accent1">
+              <a:shade val="15000"/>
+            </a:schemeClr>
+          </a:lnRef>
+          <a:fillRef idx="1">
+            <a:schemeClr val="accent1"/>
+          </a:fillRef>
+          <a:effectRef idx="0">
+            <a:schemeClr val="accent1"/>
+          </a:effectRef>
+          <a:fontRef idx="minor">
+            <a:schemeClr val="lt1"/>
+          </a:fontRef>
+        </p:style>
+        <p:txBody>
+          <a:bodyPr rtlCol="0" anchor="ctr"/>
+          <a:lstStyle/>
+          <a:p>
+            <a:pPr algn="ctr"/>
+            <a:r>
+              <a:rPr lang="en-AU" sz="1400" dirty="0"/>
+              <a:t>Invoice Approval</a:t>
+            </a:r>
+          </a:p>
+        </p:txBody>
+      </p:sp>
+    </p:spTree>
+    <p:extLst>
+      <p:ext uri="{BB962C8B-B14F-4D97-AF65-F5344CB8AC3E}">
+        <p14:creationId xmlns:p14="http://schemas.microsoft.com/office/powerpoint/2010/main" val="2384646080"/>
+      </p:ext>
+    </p:extLst>
+  </p:cSld>
+  <p:clrMapOvr>
+    <a:masterClrMapping/>
+  </p:clrMapOvr>
+</p:sld>
+</file>
+
+<file path=ppt/slides/slide2.xml><?xml version="1.0" encoding="utf-8"?>
+<p:sld xmlns:a="http://schemas.openxmlformats.org/drawingml/2006/main" xmlns:r="http://schemas.openxmlformats.org/officeDocument/2006/relationships" xmlns:p="http://schemas.openxmlformats.org/presentationml/2006/main">
+  <p:cSld>
+    <p:spTree>
+      <p:nvGrpSpPr>
+        <p:cNvPr id="1" name=""/>
+        <p:cNvGrpSpPr/>
+        <p:nvPr/>
+      </p:nvGrpSpPr>
+      <p:grpSpPr>
+        <a:xfrm>
+          <a:off x="0" y="0"/>
+          <a:ext cx="0" cy="0"/>
+          <a:chOff x="0" y="0"/>
+          <a:chExt cx="0" cy="0"/>
+        </a:xfrm>
+      </p:grpSpPr>
+      <p:sp>
+        <p:nvSpPr>
+          <p:cNvPr id="9" name="Rectangle 8">
+            <a:extLst>
+              <a:ext uri="{FF2B5EF4-FFF2-40B4-BE49-F238E27FC236}">
+                <a16:creationId xmlns:a16="http://schemas.microsoft.com/office/drawing/2014/main" id="{CAF01B6C-77AF-E562-2244-02A7C9D6A5CB}"/>
+              </a:ext>
+            </a:extLst>
+          </p:cNvPr>
+          <p:cNvSpPr/>
+          <p:nvPr/>
+        </p:nvSpPr>
+        <p:spPr>
+          <a:xfrm>
             <a:off x="841248" y="374904"/>
             <a:ext cx="8718264" cy="246888"/>
           </a:xfrm>
@@ -5461,7 +5897,7 @@
 </p:sld>
 </file>
 
-<file path=ppt/slides/slide2.xml><?xml version="1.0" encoding="utf-8"?>
+<file path=ppt/slides/slide3.xml><?xml version="1.0" encoding="utf-8"?>
 <p:sld xmlns:a="http://schemas.openxmlformats.org/drawingml/2006/main" xmlns:r="http://schemas.openxmlformats.org/officeDocument/2006/relationships" xmlns:p="http://schemas.openxmlformats.org/presentationml/2006/main">
   <p:cSld>
     <p:spTree>
